--- a/정보보호론 Part 03 접근통제.pptx
+++ b/정보보호론 Part 03 접근통제.pptx
@@ -5,7 +5,7 @@
     <p:sldMasterId id="2147483648" r:id="rId1"/>
   </p:sldMasterIdLst>
   <p:notesMasterIdLst>
-    <p:notesMasterId r:id="rId33"/>
+    <p:notesMasterId r:id="rId41"/>
   </p:notesMasterIdLst>
   <p:sldIdLst>
     <p:sldId id="256" r:id="rId2"/>
@@ -39,6 +39,14 @@
     <p:sldId id="283" r:id="rId30"/>
     <p:sldId id="284" r:id="rId31"/>
     <p:sldId id="285" r:id="rId32"/>
+    <p:sldId id="288" r:id="rId33"/>
+    <p:sldId id="292" r:id="rId34"/>
+    <p:sldId id="291" r:id="rId35"/>
+    <p:sldId id="290" r:id="rId36"/>
+    <p:sldId id="289" r:id="rId37"/>
+    <p:sldId id="293" r:id="rId38"/>
+    <p:sldId id="294" r:id="rId39"/>
+    <p:sldId id="295" r:id="rId40"/>
   </p:sldIdLst>
   <p:sldSz cx="12192000" cy="6858000"/>
   <p:notesSz cx="6858000" cy="9144000"/>
@@ -7543,7 +7551,9 @@
         </p:nvSpPr>
         <p:spPr/>
         <p:txBody>
-          <a:bodyPr/>
+          <a:bodyPr>
+            <a:normAutofit lnSpcReduction="10000"/>
+          </a:bodyPr>
           <a:lstStyle/>
           <a:p>
             <a:r>
@@ -7565,6 +7575,92 @@
             <a:r>
               <a:rPr lang="ko-KR" altLang="en-US"/>
               <a:t>혼합 방식 접근 통제 등으로 나뉜다</a:t>
+            </a:r>
+            <a:r>
+              <a:rPr lang="en-US" altLang="ko-KR"/>
+              <a:t>.</a:t>
+            </a:r>
+          </a:p>
+          <a:p>
+            <a:r>
+              <a:rPr lang="ko-KR" altLang="en-US"/>
+              <a:t>중앙집중화된 환경에서 제어되는 것이 아니며</a:t>
+            </a:r>
+            <a:r>
+              <a:rPr lang="en-US" altLang="ko-KR"/>
+              <a:t>, MAC</a:t>
+            </a:r>
+            <a:r>
+              <a:rPr lang="ko-KR" altLang="en-US"/>
+              <a:t>에서의 보다 정적인 역할에 반해 사용자들에게 동적으로 정보에 접근 할 수 있게 해준다</a:t>
+            </a:r>
+            <a:r>
+              <a:rPr lang="en-US" altLang="ko-KR"/>
+              <a:t>.</a:t>
+            </a:r>
+          </a:p>
+          <a:p>
+            <a:r>
+              <a:rPr lang="ko-KR" altLang="en-US"/>
+              <a:t>대부분의 운영시스템은 </a:t>
+            </a:r>
+            <a:r>
+              <a:rPr lang="en-US" altLang="ko-KR"/>
+              <a:t>DAC</a:t>
+            </a:r>
+            <a:r>
+              <a:rPr lang="ko-KR" altLang="en-US"/>
+              <a:t>에 기반</a:t>
+            </a:r>
+            <a:r>
+              <a:rPr lang="en-US" altLang="ko-KR"/>
+              <a:t>, </a:t>
+            </a:r>
+            <a:r>
+              <a:rPr lang="ko-KR" altLang="en-US"/>
+              <a:t>파일 혹은 디렉토리의 속성을 살펴보면</a:t>
+            </a:r>
+            <a:r>
+              <a:rPr lang="en-US" altLang="ko-KR"/>
+              <a:t>, </a:t>
+            </a:r>
+            <a:r>
+              <a:rPr lang="ko-KR" altLang="en-US"/>
+              <a:t>어떤 사용자들이 해당 리소스에 어느 수준으로 접근 할 수 있는지 알 수 있다</a:t>
+            </a:r>
+            <a:r>
+              <a:rPr lang="en-US" altLang="ko-KR"/>
+              <a:t>. (DAC</a:t>
+            </a:r>
+            <a:r>
+              <a:rPr lang="ko-KR" altLang="en-US"/>
+              <a:t> 모델의 </a:t>
+            </a:r>
+            <a:r>
+              <a:rPr lang="en-US" altLang="ko-KR"/>
+              <a:t>ACL </a:t>
+            </a:r>
+            <a:r>
+              <a:rPr lang="ko-KR" altLang="en-US"/>
+              <a:t>한 예</a:t>
+            </a:r>
+            <a:r>
+              <a:rPr lang="en-US" altLang="ko-KR"/>
+              <a:t>)</a:t>
+            </a:r>
+          </a:p>
+          <a:p>
+            <a:r>
+              <a:rPr lang="ko-KR" altLang="en-US"/>
+              <a:t>한 주체가 어느 한 객체를 읽고</a:t>
+            </a:r>
+            <a:r>
+              <a:rPr lang="en-US" altLang="ko-KR"/>
+              <a:t> </a:t>
+            </a:r>
+            <a:r>
+              <a:rPr lang="ko-KR" altLang="en-US"/>
+              <a:t>그 내용을 다른 어느 한 객체로 복사하는 경우에 처음의 객체에 내포된 접근통제 정보가 복사된 객체로 전달되지 않는다</a:t>
             </a:r>
             <a:r>
               <a:rPr lang="en-US" altLang="ko-KR"/>
@@ -7578,6 +7674,1431 @@
     <p:extLst>
       <p:ext uri="{BB962C8B-B14F-4D97-AF65-F5344CB8AC3E}">
         <p14:creationId xmlns:p14="http://schemas.microsoft.com/office/powerpoint/2010/main" val="3075734138"/>
+      </p:ext>
+    </p:extLst>
+  </p:cSld>
+  <p:clrMapOvr>
+    <a:masterClrMapping/>
+  </p:clrMapOvr>
+</p:sld>
+</file>
+
+<file path=ppt/slides/slide32.xml><?xml version="1.0" encoding="utf-8"?>
+<p:sld xmlns:a="http://schemas.openxmlformats.org/drawingml/2006/main" xmlns:r="http://schemas.openxmlformats.org/officeDocument/2006/relationships" xmlns:p="http://schemas.openxmlformats.org/presentationml/2006/main">
+  <p:cSld>
+    <p:spTree>
+      <p:nvGrpSpPr>
+        <p:cNvPr id="1" name=""/>
+        <p:cNvGrpSpPr/>
+        <p:nvPr/>
+      </p:nvGrpSpPr>
+      <p:grpSpPr>
+        <a:xfrm>
+          <a:off x="0" y="0"/>
+          <a:ext cx="0" cy="0"/>
+          <a:chOff x="0" y="0"/>
+          <a:chExt cx="0" cy="0"/>
+        </a:xfrm>
+      </p:grpSpPr>
+      <p:sp>
+        <p:nvSpPr>
+          <p:cNvPr id="2" name="제목 1">
+            <a:extLst>
+              <a:ext uri="{FF2B5EF4-FFF2-40B4-BE49-F238E27FC236}">
+                <a16:creationId xmlns:a16="http://schemas.microsoft.com/office/drawing/2014/main" id="{07EB63A4-619F-4E3B-A805-FD2DF97C2AA1}"/>
+              </a:ext>
+            </a:extLst>
+          </p:cNvPr>
+          <p:cNvSpPr>
+            <a:spLocks noGrp="1"/>
+          </p:cNvSpPr>
+          <p:nvPr>
+            <p:ph type="title"/>
+          </p:nvPr>
+        </p:nvSpPr>
+        <p:spPr/>
+        <p:txBody>
+          <a:bodyPr/>
+          <a:lstStyle/>
+          <a:p>
+            <a:r>
+              <a:rPr lang="ko-KR" altLang="en-US"/>
+              <a:t>접근통제 보안 모델 </a:t>
+            </a:r>
+            <a:r>
+              <a:rPr lang="en-US" altLang="ko-KR"/>
+              <a:t>- </a:t>
+            </a:r>
+            <a:r>
+              <a:rPr lang="ko-KR" altLang="en-US"/>
+              <a:t>임의적 접근 통제</a:t>
+            </a:r>
+          </a:p>
+        </p:txBody>
+      </p:sp>
+      <p:sp>
+        <p:nvSpPr>
+          <p:cNvPr id="3" name="내용 개체 틀 2">
+            <a:extLst>
+              <a:ext uri="{FF2B5EF4-FFF2-40B4-BE49-F238E27FC236}">
+                <a16:creationId xmlns:a16="http://schemas.microsoft.com/office/drawing/2014/main" id="{DBB8F765-1062-45CE-9982-C3C9C991A0FD}"/>
+              </a:ext>
+            </a:extLst>
+          </p:cNvPr>
+          <p:cNvSpPr>
+            <a:spLocks noGrp="1"/>
+          </p:cNvSpPr>
+          <p:nvPr>
+            <p:ph idx="1"/>
+          </p:nvPr>
+        </p:nvSpPr>
+        <p:spPr/>
+        <p:txBody>
+          <a:bodyPr>
+            <a:normAutofit lnSpcReduction="10000"/>
+          </a:bodyPr>
+          <a:lstStyle/>
+          <a:p>
+            <a:r>
+              <a:rPr lang="ko-KR" altLang="en-US"/>
+              <a:t>장점</a:t>
+            </a:r>
+            <a:br>
+              <a:rPr lang="en-US" altLang="ko-KR"/>
+            </a:br>
+            <a:r>
+              <a:rPr lang="ko-KR" altLang="en-US"/>
+              <a:t>임의적 접근 제어는 객체별로 세분화된 접근제어가 가능하다는 장점</a:t>
+            </a:r>
+            <a:endParaRPr lang="en-US" altLang="ko-KR"/>
+          </a:p>
+          <a:p>
+            <a:endParaRPr lang="en-US" altLang="ko-KR"/>
+          </a:p>
+          <a:p>
+            <a:r>
+              <a:rPr lang="ko-KR" altLang="en-US"/>
+              <a:t>단점</a:t>
+            </a:r>
+            <a:br>
+              <a:rPr lang="en-US" altLang="ko-KR"/>
+            </a:br>
+            <a:r>
+              <a:rPr lang="ko-KR" altLang="en-US"/>
+              <a:t>사용자가 자신의 자원에 대한 접근 제어를 개별적으로 수행하므로</a:t>
+            </a:r>
+            <a:r>
+              <a:rPr lang="en-US" altLang="ko-KR"/>
+              <a:t> </a:t>
+            </a:r>
+            <a:r>
+              <a:rPr lang="ko-KR" altLang="en-US"/>
+              <a:t>시스템 전체 차원의 일관성 있는 접근 제어가 부족할 수 있고</a:t>
+            </a:r>
+            <a:r>
+              <a:rPr lang="en-US" altLang="ko-KR"/>
+              <a:t>, </a:t>
+            </a:r>
+            <a:r>
+              <a:rPr lang="ko-KR" altLang="en-US"/>
+              <a:t>높은 접근 권한을 가진 사용자가 다른 사용자에게 자료에 대한 접근을 임의로 허용할 수 있다</a:t>
+            </a:r>
+            <a:r>
+              <a:rPr lang="en-US" altLang="ko-KR"/>
+              <a:t>.</a:t>
+            </a:r>
+          </a:p>
+          <a:p>
+            <a:r>
+              <a:rPr lang="ko-KR" altLang="en-US"/>
+              <a:t>통제의 기준이 주체의 신분에 근거</a:t>
+            </a:r>
+            <a:r>
+              <a:rPr lang="en-US" altLang="ko-KR"/>
+              <a:t>, </a:t>
+            </a:r>
+            <a:r>
+              <a:rPr lang="ko-KR" altLang="en-US"/>
+              <a:t>접근통제 매커니즘이 데이터의 의미에 대해 아무런 지식을 가지고 있지 않다</a:t>
+            </a:r>
+            <a:r>
+              <a:rPr lang="en-US" altLang="ko-KR"/>
+              <a:t>.</a:t>
+            </a:r>
+          </a:p>
+        </p:txBody>
+      </p:sp>
+    </p:spTree>
+    <p:extLst>
+      <p:ext uri="{BB962C8B-B14F-4D97-AF65-F5344CB8AC3E}">
+        <p14:creationId xmlns:p14="http://schemas.microsoft.com/office/powerpoint/2010/main" val="1196103176"/>
+      </p:ext>
+    </p:extLst>
+  </p:cSld>
+  <p:clrMapOvr>
+    <a:masterClrMapping/>
+  </p:clrMapOvr>
+</p:sld>
+</file>
+
+<file path=ppt/slides/slide33.xml><?xml version="1.0" encoding="utf-8"?>
+<p:sld xmlns:a="http://schemas.openxmlformats.org/drawingml/2006/main" xmlns:r="http://schemas.openxmlformats.org/officeDocument/2006/relationships" xmlns:p="http://schemas.openxmlformats.org/presentationml/2006/main">
+  <p:cSld>
+    <p:spTree>
+      <p:nvGrpSpPr>
+        <p:cNvPr id="1" name=""/>
+        <p:cNvGrpSpPr/>
+        <p:nvPr/>
+      </p:nvGrpSpPr>
+      <p:grpSpPr>
+        <a:xfrm>
+          <a:off x="0" y="0"/>
+          <a:ext cx="0" cy="0"/>
+          <a:chOff x="0" y="0"/>
+          <a:chExt cx="0" cy="0"/>
+        </a:xfrm>
+      </p:grpSpPr>
+      <p:sp>
+        <p:nvSpPr>
+          <p:cNvPr id="2" name="제목 1">
+            <a:extLst>
+              <a:ext uri="{FF2B5EF4-FFF2-40B4-BE49-F238E27FC236}">
+                <a16:creationId xmlns:a16="http://schemas.microsoft.com/office/drawing/2014/main" id="{5D31B724-B9AA-4A14-9040-93C024CE8D61}"/>
+              </a:ext>
+            </a:extLst>
+          </p:cNvPr>
+          <p:cNvSpPr>
+            <a:spLocks noGrp="1"/>
+          </p:cNvSpPr>
+          <p:nvPr>
+            <p:ph type="title"/>
+          </p:nvPr>
+        </p:nvSpPr>
+        <p:spPr/>
+        <p:txBody>
+          <a:bodyPr/>
+          <a:lstStyle/>
+          <a:p>
+            <a:r>
+              <a:rPr lang="ko-KR" altLang="en-US"/>
+              <a:t>접근통제 보안 모델 </a:t>
+            </a:r>
+            <a:r>
+              <a:rPr lang="en-US" altLang="ko-KR"/>
+              <a:t>- </a:t>
+            </a:r>
+            <a:r>
+              <a:rPr lang="ko-KR" altLang="en-US"/>
+              <a:t>임의적 접근 통제</a:t>
+            </a:r>
+          </a:p>
+        </p:txBody>
+      </p:sp>
+      <p:sp>
+        <p:nvSpPr>
+          <p:cNvPr id="3" name="내용 개체 틀 2">
+            <a:extLst>
+              <a:ext uri="{FF2B5EF4-FFF2-40B4-BE49-F238E27FC236}">
+                <a16:creationId xmlns:a16="http://schemas.microsoft.com/office/drawing/2014/main" id="{A6FEF310-38B3-4EBD-B03F-344281D86DBC}"/>
+              </a:ext>
+            </a:extLst>
+          </p:cNvPr>
+          <p:cNvSpPr>
+            <a:spLocks noGrp="1"/>
+          </p:cNvSpPr>
+          <p:nvPr>
+            <p:ph idx="1"/>
+          </p:nvPr>
+        </p:nvSpPr>
+        <p:spPr/>
+        <p:txBody>
+          <a:bodyPr/>
+          <a:lstStyle/>
+          <a:p>
+            <a:r>
+              <a:rPr lang="ko-KR" altLang="en-US"/>
+              <a:t>단점</a:t>
+            </a:r>
+            <a:br>
+              <a:rPr lang="en-US" altLang="ko-KR"/>
+            </a:br>
+            <a:br>
+              <a:rPr lang="en-US" altLang="ko-KR"/>
+            </a:br>
+            <a:r>
+              <a:rPr lang="ko-KR" altLang="en-US"/>
+              <a:t>신분이 접근통제 과정에서 매우 중요한 정보이므로</a:t>
+            </a:r>
+            <a:r>
+              <a:rPr lang="en-US" altLang="ko-KR"/>
+              <a:t>, </a:t>
+            </a:r>
+            <a:r>
+              <a:rPr lang="ko-KR" altLang="en-US"/>
+              <a:t>다른 사람의 신분을 이용하여 불법적 접근이 이루어진다면 접근통제 본래의 기능에 대한 중대한 결함이 발생할 수 있다</a:t>
+            </a:r>
+            <a:r>
+              <a:rPr lang="en-US" altLang="ko-KR"/>
+              <a:t>.</a:t>
+            </a:r>
+            <a:br>
+              <a:rPr lang="en-US" altLang="ko-KR"/>
+            </a:br>
+            <a:br>
+              <a:rPr lang="en-US" altLang="ko-KR"/>
+            </a:br>
+            <a:r>
+              <a:rPr lang="ko-KR" altLang="en-US"/>
+              <a:t>멀웨어는 </a:t>
+            </a:r>
+            <a:r>
+              <a:rPr lang="en-US" altLang="ko-KR"/>
+              <a:t>DAC </a:t>
+            </a:r>
+            <a:r>
+              <a:rPr lang="ko-KR" altLang="en-US"/>
+              <a:t>시스템에 있어서 치명적이다</a:t>
+            </a:r>
+            <a:r>
+              <a:rPr lang="en-US" altLang="ko-KR"/>
+              <a:t>. </a:t>
+            </a:r>
+            <a:r>
+              <a:rPr lang="ko-KR" altLang="en-US"/>
+              <a:t>바이러스</a:t>
+            </a:r>
+            <a:r>
+              <a:rPr lang="en-US" altLang="ko-KR"/>
+              <a:t>, </a:t>
+            </a:r>
+            <a:r>
+              <a:rPr lang="ko-KR" altLang="en-US"/>
+              <a:t>웜</a:t>
+            </a:r>
+            <a:r>
+              <a:rPr lang="en-US" altLang="ko-KR"/>
+              <a:t>, </a:t>
+            </a:r>
+            <a:r>
+              <a:rPr lang="ko-KR" altLang="en-US"/>
+              <a:t>루트킷은 </a:t>
+            </a:r>
+            <a:r>
+              <a:rPr lang="en-US" altLang="ko-KR"/>
+              <a:t>DAC </a:t>
+            </a:r>
+            <a:r>
+              <a:rPr lang="ko-KR" altLang="en-US"/>
+              <a:t>시스템에 설치되어 응용프로그램으로도 실행될 수 있다</a:t>
+            </a:r>
+            <a:r>
+              <a:rPr lang="en-US" altLang="ko-KR"/>
+              <a:t>.</a:t>
+            </a:r>
+            <a:br>
+              <a:rPr lang="en-US" altLang="ko-KR"/>
+            </a:br>
+            <a:br>
+              <a:rPr lang="en-US" altLang="ko-KR"/>
+            </a:br>
+            <a:r>
+              <a:rPr lang="ko-KR" altLang="en-US"/>
+              <a:t>트로이 목마 공격에도 취약하다</a:t>
+            </a:r>
+            <a:r>
+              <a:rPr lang="en-US" altLang="ko-KR"/>
+              <a:t>.</a:t>
+            </a:r>
+          </a:p>
+          <a:p>
+            <a:endParaRPr lang="en-US" altLang="ko-KR"/>
+          </a:p>
+        </p:txBody>
+      </p:sp>
+    </p:spTree>
+    <p:extLst>
+      <p:ext uri="{BB962C8B-B14F-4D97-AF65-F5344CB8AC3E}">
+        <p14:creationId xmlns:p14="http://schemas.microsoft.com/office/powerpoint/2010/main" val="2156179170"/>
+      </p:ext>
+    </p:extLst>
+  </p:cSld>
+  <p:clrMapOvr>
+    <a:masterClrMapping/>
+  </p:clrMapOvr>
+</p:sld>
+</file>
+
+<file path=ppt/slides/slide34.xml><?xml version="1.0" encoding="utf-8"?>
+<p:sld xmlns:a="http://schemas.openxmlformats.org/drawingml/2006/main" xmlns:r="http://schemas.openxmlformats.org/officeDocument/2006/relationships" xmlns:p="http://schemas.openxmlformats.org/presentationml/2006/main">
+  <p:cSld>
+    <p:spTree>
+      <p:nvGrpSpPr>
+        <p:cNvPr id="1" name=""/>
+        <p:cNvGrpSpPr/>
+        <p:nvPr/>
+      </p:nvGrpSpPr>
+      <p:grpSpPr>
+        <a:xfrm>
+          <a:off x="0" y="0"/>
+          <a:ext cx="0" cy="0"/>
+          <a:chOff x="0" y="0"/>
+          <a:chExt cx="0" cy="0"/>
+        </a:xfrm>
+      </p:grpSpPr>
+      <p:sp>
+        <p:nvSpPr>
+          <p:cNvPr id="2" name="제목 1">
+            <a:extLst>
+              <a:ext uri="{FF2B5EF4-FFF2-40B4-BE49-F238E27FC236}">
+                <a16:creationId xmlns:a16="http://schemas.microsoft.com/office/drawing/2014/main" id="{335CE34A-5855-40E7-ABF3-D39E3FC58A50}"/>
+              </a:ext>
+            </a:extLst>
+          </p:cNvPr>
+          <p:cNvSpPr>
+            <a:spLocks noGrp="1"/>
+          </p:cNvSpPr>
+          <p:nvPr>
+            <p:ph type="title"/>
+          </p:nvPr>
+        </p:nvSpPr>
+        <p:spPr/>
+        <p:txBody>
+          <a:bodyPr/>
+          <a:lstStyle/>
+          <a:p>
+            <a:r>
+              <a:rPr lang="ko-KR" altLang="en-US"/>
+              <a:t>접근통제 보안 모델 </a:t>
+            </a:r>
+            <a:r>
+              <a:rPr lang="en-US" altLang="ko-KR"/>
+              <a:t>- </a:t>
+            </a:r>
+            <a:r>
+              <a:rPr lang="ko-KR" altLang="en-US"/>
+              <a:t>임의적 접근 통제</a:t>
+            </a:r>
+          </a:p>
+        </p:txBody>
+      </p:sp>
+      <p:sp>
+        <p:nvSpPr>
+          <p:cNvPr id="3" name="내용 개체 틀 2">
+            <a:extLst>
+              <a:ext uri="{FF2B5EF4-FFF2-40B4-BE49-F238E27FC236}">
+                <a16:creationId xmlns:a16="http://schemas.microsoft.com/office/drawing/2014/main" id="{C2D4B15D-1F2F-4115-888B-270CCBD1DA8D}"/>
+              </a:ext>
+            </a:extLst>
+          </p:cNvPr>
+          <p:cNvSpPr>
+            <a:spLocks noGrp="1"/>
+          </p:cNvSpPr>
+          <p:nvPr>
+            <p:ph idx="1"/>
+          </p:nvPr>
+        </p:nvSpPr>
+        <p:spPr/>
+        <p:txBody>
+          <a:bodyPr>
+            <a:normAutofit lnSpcReduction="10000"/>
+          </a:bodyPr>
+          <a:lstStyle/>
+          <a:p>
+            <a:pPr marL="514350" indent="-514350">
+              <a:buAutoNum type="arabicPeriod"/>
+            </a:pPr>
+            <a:r>
+              <a:rPr lang="ko-KR" altLang="en-US"/>
+              <a:t>접근제어 행렬</a:t>
+            </a:r>
+            <a:br>
+              <a:rPr lang="en-US" altLang="ko-KR"/>
+            </a:br>
+            <a:r>
+              <a:rPr lang="ko-KR" altLang="en-US"/>
+              <a:t>행렬을 이용하여 주체</a:t>
+            </a:r>
+            <a:r>
+              <a:rPr lang="en-US" altLang="ko-KR"/>
+              <a:t>, </a:t>
+            </a:r>
+            <a:r>
+              <a:rPr lang="ko-KR" altLang="en-US"/>
+              <a:t>객체</a:t>
+            </a:r>
+            <a:r>
+              <a:rPr lang="en-US" altLang="ko-KR"/>
+              <a:t>, </a:t>
+            </a:r>
+            <a:r>
+              <a:rPr lang="ko-KR" altLang="en-US"/>
+              <a:t>접근권한의 관계를 기술하는 방법</a:t>
+            </a:r>
+            <a:r>
+              <a:rPr lang="en-US" altLang="ko-KR"/>
+              <a:t>, </a:t>
+            </a:r>
+            <a:r>
+              <a:rPr lang="ko-KR" altLang="en-US"/>
+              <a:t>주체를 행</a:t>
+            </a:r>
+            <a:r>
+              <a:rPr lang="en-US" altLang="ko-KR"/>
+              <a:t>, </a:t>
+            </a:r>
+            <a:r>
+              <a:rPr lang="ko-KR" altLang="en-US"/>
+              <a:t>객체를 열으로 구성</a:t>
+            </a:r>
+            <a:r>
+              <a:rPr lang="en-US" altLang="ko-KR"/>
+              <a:t>. </a:t>
+            </a:r>
+            <a:r>
+              <a:rPr lang="ko-KR" altLang="en-US"/>
+              <a:t>주체가 객체에 수행할 수 있는 접근권한을 주체의 행과 객체의 열이 만나는 셀에 기록하여 접근제어 정책을 관리</a:t>
+            </a:r>
+            <a:br>
+              <a:rPr lang="en-US" altLang="ko-KR"/>
+            </a:br>
+            <a:br>
+              <a:rPr lang="en-US" altLang="ko-KR"/>
+            </a:br>
+            <a:r>
+              <a:rPr lang="ko-KR" altLang="en-US"/>
+              <a:t>접근제어 행렬 방식은 효과적으로 권한 부여 정책을 정의할 수 있지만</a:t>
+            </a:r>
+            <a:r>
+              <a:rPr lang="en-US" altLang="ko-KR"/>
+              <a:t>, </a:t>
+            </a:r>
+            <a:r>
+              <a:rPr lang="ko-KR" altLang="en-US"/>
+              <a:t>주체와 객체의 수가 많아질 경우 행렬의 크기가 상당히 커짐</a:t>
+            </a:r>
+            <a:br>
+              <a:rPr lang="en-US" altLang="ko-KR"/>
+            </a:br>
+            <a:br>
+              <a:rPr lang="en-US" altLang="ko-KR"/>
+            </a:br>
+            <a:r>
+              <a:rPr lang="ko-KR" altLang="en-US"/>
+              <a:t>모든 주체를 행으로 명시하고 모든 객체를 열로 명시함에 따라 비어있는 셀의 수가 많아지게 되어 공간적으로 비효율적</a:t>
+            </a:r>
+            <a:endParaRPr lang="en-US" altLang="ko-KR"/>
+          </a:p>
+          <a:p>
+            <a:pPr marL="514350" indent="-514350">
+              <a:buAutoNum type="arabicPeriod"/>
+            </a:pPr>
+            <a:endParaRPr lang="en-US" altLang="ko-KR"/>
+          </a:p>
+          <a:p>
+            <a:pPr marL="514350" indent="-514350">
+              <a:buAutoNum type="arabicPeriod"/>
+            </a:pPr>
+            <a:endParaRPr lang="ko-KR" altLang="en-US"/>
+          </a:p>
+        </p:txBody>
+      </p:sp>
+    </p:spTree>
+    <p:extLst>
+      <p:ext uri="{BB962C8B-B14F-4D97-AF65-F5344CB8AC3E}">
+        <p14:creationId xmlns:p14="http://schemas.microsoft.com/office/powerpoint/2010/main" val="506311431"/>
+      </p:ext>
+    </p:extLst>
+  </p:cSld>
+  <p:clrMapOvr>
+    <a:masterClrMapping/>
+  </p:clrMapOvr>
+</p:sld>
+</file>
+
+<file path=ppt/slides/slide35.xml><?xml version="1.0" encoding="utf-8"?>
+<p:sld xmlns:a="http://schemas.openxmlformats.org/drawingml/2006/main" xmlns:r="http://schemas.openxmlformats.org/officeDocument/2006/relationships" xmlns:p="http://schemas.openxmlformats.org/presentationml/2006/main">
+  <p:cSld>
+    <p:spTree>
+      <p:nvGrpSpPr>
+        <p:cNvPr id="1" name=""/>
+        <p:cNvGrpSpPr/>
+        <p:nvPr/>
+      </p:nvGrpSpPr>
+      <p:grpSpPr>
+        <a:xfrm>
+          <a:off x="0" y="0"/>
+          <a:ext cx="0" cy="0"/>
+          <a:chOff x="0" y="0"/>
+          <a:chExt cx="0" cy="0"/>
+        </a:xfrm>
+      </p:grpSpPr>
+      <p:sp>
+        <p:nvSpPr>
+          <p:cNvPr id="2" name="제목 1">
+            <a:extLst>
+              <a:ext uri="{FF2B5EF4-FFF2-40B4-BE49-F238E27FC236}">
+                <a16:creationId xmlns:a16="http://schemas.microsoft.com/office/drawing/2014/main" id="{2924EFFE-062A-4D66-B245-0A0C5798FB98}"/>
+              </a:ext>
+            </a:extLst>
+          </p:cNvPr>
+          <p:cNvSpPr>
+            <a:spLocks noGrp="1"/>
+          </p:cNvSpPr>
+          <p:nvPr>
+            <p:ph type="title"/>
+          </p:nvPr>
+        </p:nvSpPr>
+        <p:spPr/>
+        <p:txBody>
+          <a:bodyPr/>
+          <a:lstStyle/>
+          <a:p>
+            <a:r>
+              <a:rPr lang="ko-KR" altLang="en-US"/>
+              <a:t>접근통제 보안 모델 </a:t>
+            </a:r>
+            <a:r>
+              <a:rPr lang="en-US" altLang="ko-KR"/>
+              <a:t>- </a:t>
+            </a:r>
+            <a:r>
+              <a:rPr lang="ko-KR" altLang="en-US"/>
+              <a:t>임의적 접근 통제</a:t>
+            </a:r>
+          </a:p>
+        </p:txBody>
+      </p:sp>
+      <p:sp>
+        <p:nvSpPr>
+          <p:cNvPr id="3" name="내용 개체 틀 2">
+            <a:extLst>
+              <a:ext uri="{FF2B5EF4-FFF2-40B4-BE49-F238E27FC236}">
+                <a16:creationId xmlns:a16="http://schemas.microsoft.com/office/drawing/2014/main" id="{69F83A01-3AD7-4843-BD4A-4B95A3D30DEA}"/>
+              </a:ext>
+            </a:extLst>
+          </p:cNvPr>
+          <p:cNvSpPr>
+            <a:spLocks noGrp="1"/>
+          </p:cNvSpPr>
+          <p:nvPr>
+            <p:ph idx="1"/>
+          </p:nvPr>
+        </p:nvSpPr>
+        <p:spPr/>
+        <p:txBody>
+          <a:bodyPr/>
+          <a:lstStyle/>
+          <a:p>
+            <a:r>
+              <a:rPr lang="ko-KR" altLang="en-US"/>
+              <a:t>접근 제어 행렬의 주체</a:t>
+            </a:r>
+            <a:br>
+              <a:rPr lang="en-US" altLang="ko-KR"/>
+            </a:br>
+            <a:r>
+              <a:rPr lang="ko-KR" altLang="en-US"/>
+              <a:t>터미널</a:t>
+            </a:r>
+            <a:r>
+              <a:rPr lang="en-US" altLang="ko-KR"/>
+              <a:t>, </a:t>
+            </a:r>
+            <a:r>
+              <a:rPr lang="ko-KR" altLang="en-US"/>
+              <a:t>네트워크 장비</a:t>
+            </a:r>
+            <a:r>
+              <a:rPr lang="en-US" altLang="ko-KR"/>
+              <a:t>, </a:t>
+            </a:r>
+            <a:r>
+              <a:rPr lang="ko-KR" altLang="en-US"/>
+              <a:t>호스트</a:t>
+            </a:r>
+            <a:r>
+              <a:rPr lang="en-US" altLang="ko-KR"/>
+              <a:t>, </a:t>
+            </a:r>
+            <a:r>
+              <a:rPr lang="ko-KR" altLang="en-US"/>
+              <a:t>애플리케이션 등</a:t>
+            </a:r>
+            <a:r>
+              <a:rPr lang="en-US" altLang="ko-KR"/>
+              <a:t>(</a:t>
+            </a:r>
+            <a:r>
+              <a:rPr lang="ko-KR" altLang="en-US"/>
+              <a:t>개별 사용자 또는 그룹 사용자로 구성</a:t>
+            </a:r>
+            <a:r>
+              <a:rPr lang="en-US" altLang="ko-KR"/>
+              <a:t>)</a:t>
+            </a:r>
+          </a:p>
+          <a:p>
+            <a:endParaRPr lang="en-US" altLang="ko-KR"/>
+          </a:p>
+          <a:p>
+            <a:r>
+              <a:rPr lang="ko-KR" altLang="en-US"/>
+              <a:t>접근 제어 행렬의 객체</a:t>
+            </a:r>
+            <a:br>
+              <a:rPr lang="en-US" altLang="ko-KR"/>
+            </a:br>
+            <a:r>
+              <a:rPr lang="ko-KR" altLang="en-US"/>
+              <a:t>데이터 필드</a:t>
+            </a:r>
+            <a:r>
+              <a:rPr lang="en-US" altLang="ko-KR"/>
+              <a:t>, </a:t>
+            </a:r>
+            <a:r>
+              <a:rPr lang="ko-KR" altLang="en-US"/>
+              <a:t>레코드</a:t>
+            </a:r>
+            <a:r>
+              <a:rPr lang="en-US" altLang="ko-KR"/>
+              <a:t>, </a:t>
+            </a:r>
+            <a:r>
+              <a:rPr lang="ko-KR" altLang="en-US"/>
+              <a:t>파일</a:t>
+            </a:r>
+            <a:r>
+              <a:rPr lang="en-US" altLang="ko-KR"/>
+              <a:t>, </a:t>
+            </a:r>
+            <a:r>
+              <a:rPr lang="ko-KR" altLang="en-US"/>
+              <a:t>데이터베이스 등</a:t>
+            </a:r>
+            <a:endParaRPr lang="en-US" altLang="ko-KR"/>
+          </a:p>
+        </p:txBody>
+      </p:sp>
+    </p:spTree>
+    <p:extLst>
+      <p:ext uri="{BB962C8B-B14F-4D97-AF65-F5344CB8AC3E}">
+        <p14:creationId xmlns:p14="http://schemas.microsoft.com/office/powerpoint/2010/main" val="2477084216"/>
+      </p:ext>
+    </p:extLst>
+  </p:cSld>
+  <p:clrMapOvr>
+    <a:masterClrMapping/>
+  </p:clrMapOvr>
+</p:sld>
+</file>
+
+<file path=ppt/slides/slide36.xml><?xml version="1.0" encoding="utf-8"?>
+<p:sld xmlns:a="http://schemas.openxmlformats.org/drawingml/2006/main" xmlns:r="http://schemas.openxmlformats.org/officeDocument/2006/relationships" xmlns:p="http://schemas.openxmlformats.org/presentationml/2006/main">
+  <p:cSld>
+    <p:spTree>
+      <p:nvGrpSpPr>
+        <p:cNvPr id="1" name=""/>
+        <p:cNvGrpSpPr/>
+        <p:nvPr/>
+      </p:nvGrpSpPr>
+      <p:grpSpPr>
+        <a:xfrm>
+          <a:off x="0" y="0"/>
+          <a:ext cx="0" cy="0"/>
+          <a:chOff x="0" y="0"/>
+          <a:chExt cx="0" cy="0"/>
+        </a:xfrm>
+      </p:grpSpPr>
+      <p:sp>
+        <p:nvSpPr>
+          <p:cNvPr id="2" name="제목 1">
+            <a:extLst>
+              <a:ext uri="{FF2B5EF4-FFF2-40B4-BE49-F238E27FC236}">
+                <a16:creationId xmlns:a16="http://schemas.microsoft.com/office/drawing/2014/main" id="{03CD4679-036A-455B-AC6A-223F10E7E754}"/>
+              </a:ext>
+            </a:extLst>
+          </p:cNvPr>
+          <p:cNvSpPr>
+            <a:spLocks noGrp="1"/>
+          </p:cNvSpPr>
+          <p:nvPr>
+            <p:ph type="title"/>
+          </p:nvPr>
+        </p:nvSpPr>
+        <p:spPr/>
+        <p:txBody>
+          <a:bodyPr/>
+          <a:lstStyle/>
+          <a:p>
+            <a:r>
+              <a:rPr lang="ko-KR" altLang="en-US"/>
+              <a:t>접근통제 보안 모델 </a:t>
+            </a:r>
+            <a:r>
+              <a:rPr lang="en-US" altLang="ko-KR"/>
+              <a:t>- </a:t>
+            </a:r>
+            <a:r>
+              <a:rPr lang="ko-KR" altLang="en-US"/>
+              <a:t>임의적 접근 통제</a:t>
+            </a:r>
+          </a:p>
+        </p:txBody>
+      </p:sp>
+      <p:sp>
+        <p:nvSpPr>
+          <p:cNvPr id="3" name="내용 개체 틀 2">
+            <a:extLst>
+              <a:ext uri="{FF2B5EF4-FFF2-40B4-BE49-F238E27FC236}">
+                <a16:creationId xmlns:a16="http://schemas.microsoft.com/office/drawing/2014/main" id="{146A7124-9546-4D88-8FBB-E063716E118C}"/>
+              </a:ext>
+            </a:extLst>
+          </p:cNvPr>
+          <p:cNvSpPr>
+            <a:spLocks noGrp="1"/>
+          </p:cNvSpPr>
+          <p:nvPr>
+            <p:ph idx="1"/>
+          </p:nvPr>
+        </p:nvSpPr>
+        <p:spPr/>
+        <p:txBody>
+          <a:bodyPr>
+            <a:normAutofit fontScale="92500" lnSpcReduction="10000"/>
+          </a:bodyPr>
+          <a:lstStyle/>
+          <a:p>
+            <a:pPr marL="0" indent="0">
+              <a:buNone/>
+            </a:pPr>
+            <a:r>
+              <a:rPr lang="en-US" altLang="ko-KR"/>
+              <a:t>2. </a:t>
+            </a:r>
+            <a:r>
+              <a:rPr lang="ko-KR" altLang="en-US"/>
+              <a:t>자격 목록</a:t>
+            </a:r>
+            <a:endParaRPr lang="en-US" altLang="ko-KR"/>
+          </a:p>
+          <a:p>
+            <a:pPr marL="0" indent="0">
+              <a:buNone/>
+            </a:pPr>
+            <a:r>
+              <a:rPr lang="ko-KR" altLang="en-US"/>
+              <a:t>권한 </a:t>
+            </a:r>
+            <a:r>
+              <a:rPr lang="en-US" altLang="ko-KR"/>
+              <a:t>: </a:t>
+            </a:r>
+            <a:r>
+              <a:rPr lang="ko-KR" altLang="en-US"/>
+              <a:t>주체가 객체에 대해 갖는 접근 권한을 의미</a:t>
+            </a:r>
+            <a:r>
+              <a:rPr lang="en-US" altLang="ko-KR"/>
+              <a:t>, </a:t>
+            </a:r>
+            <a:r>
+              <a:rPr lang="ko-KR" altLang="en-US"/>
+              <a:t>자격 목록은 한 주체가 갖는 자격들의 리스트</a:t>
+            </a:r>
+            <a:r>
+              <a:rPr lang="en-US" altLang="ko-KR"/>
+              <a:t>. </a:t>
+            </a:r>
+            <a:r>
+              <a:rPr lang="ko-KR" altLang="en-US"/>
+              <a:t>자격 목록은 접근제어 행렬의 행 단위로 관리하는 것과 같다</a:t>
+            </a:r>
+            <a:r>
+              <a:rPr lang="en-US" altLang="ko-KR"/>
+              <a:t>.</a:t>
+            </a:r>
+          </a:p>
+          <a:p>
+            <a:pPr marL="0" indent="0">
+              <a:buNone/>
+            </a:pPr>
+            <a:r>
+              <a:rPr lang="en-US" altLang="ko-KR"/>
+              <a:t>Capability ticket</a:t>
+            </a:r>
+            <a:r>
+              <a:rPr lang="ko-KR" altLang="en-US"/>
+              <a:t>의 형태는 콘텐츠의 보안성이 보장받지 못하는 분산환경에서 사용하기에 적합</a:t>
+            </a:r>
+            <a:r>
+              <a:rPr lang="en-US" altLang="ko-KR"/>
+              <a:t>. </a:t>
+            </a:r>
+            <a:r>
+              <a:rPr lang="ko-KR" altLang="en-US"/>
+              <a:t>편리한 점</a:t>
+            </a:r>
+            <a:r>
+              <a:rPr lang="en-US" altLang="ko-KR"/>
+              <a:t>/</a:t>
+            </a:r>
+            <a:r>
+              <a:rPr lang="ko-KR" altLang="en-US"/>
+              <a:t>불편한 점은 </a:t>
+            </a:r>
+            <a:r>
+              <a:rPr lang="en-US" altLang="ko-KR"/>
+              <a:t>ACLs</a:t>
+            </a:r>
+            <a:r>
+              <a:rPr lang="ko-KR" altLang="en-US"/>
+              <a:t>의 편리한 점</a:t>
+            </a:r>
+            <a:r>
+              <a:rPr lang="en-US" altLang="ko-KR"/>
+              <a:t>/</a:t>
+            </a:r>
+            <a:r>
+              <a:rPr lang="ko-KR" altLang="en-US"/>
+              <a:t>불편한 점과 서로 반대</a:t>
+            </a:r>
+            <a:endParaRPr lang="en-US" altLang="ko-KR"/>
+          </a:p>
+          <a:p>
+            <a:pPr marL="0" indent="0">
+              <a:buNone/>
+            </a:pPr>
+            <a:endParaRPr lang="en-US" altLang="ko-KR"/>
+          </a:p>
+          <a:p>
+            <a:pPr marL="0" indent="0">
+              <a:buNone/>
+            </a:pPr>
+            <a:r>
+              <a:rPr lang="en-US" altLang="ko-KR"/>
+              <a:t>Capablity ticket</a:t>
+            </a:r>
+            <a:r>
+              <a:rPr lang="ko-KR" altLang="en-US"/>
+              <a:t>의 예는 커버로스</a:t>
+            </a:r>
+            <a:r>
+              <a:rPr lang="en-US" altLang="ko-KR"/>
+              <a:t>. </a:t>
+            </a:r>
+            <a:r>
+              <a:rPr lang="ko-KR" altLang="en-US"/>
+              <a:t>이 환경에서 사용자는 티켓을 받는다</a:t>
+            </a:r>
+            <a:r>
+              <a:rPr lang="en-US" altLang="ko-KR"/>
+              <a:t>. </a:t>
+            </a:r>
+            <a:r>
+              <a:rPr lang="ko-KR" altLang="en-US"/>
+              <a:t>이 티켓은 사용자와 연관되어 사용자가 어떤 객체를 어느 수준에서 접근할 수 있는지를 지정</a:t>
+            </a:r>
+            <a:r>
+              <a:rPr lang="en-US" altLang="ko-KR"/>
+              <a:t>. </a:t>
+            </a:r>
+            <a:r>
+              <a:rPr lang="ko-KR" altLang="en-US"/>
+              <a:t>접근 통제는 티켓을 기반으로</a:t>
+            </a:r>
+            <a:r>
+              <a:rPr lang="en-US" altLang="ko-KR"/>
+              <a:t>.</a:t>
+            </a:r>
+          </a:p>
+          <a:p>
+            <a:pPr marL="0" indent="0">
+              <a:buNone/>
+            </a:pPr>
+            <a:endParaRPr lang="en-US" altLang="ko-KR"/>
+          </a:p>
+          <a:p>
+            <a:pPr marL="0" indent="0">
+              <a:buNone/>
+            </a:pPr>
+            <a:endParaRPr lang="ko-KR" altLang="en-US"/>
+          </a:p>
+        </p:txBody>
+      </p:sp>
+    </p:spTree>
+    <p:extLst>
+      <p:ext uri="{BB962C8B-B14F-4D97-AF65-F5344CB8AC3E}">
+        <p14:creationId xmlns:p14="http://schemas.microsoft.com/office/powerpoint/2010/main" val="96455091"/>
+      </p:ext>
+    </p:extLst>
+  </p:cSld>
+  <p:clrMapOvr>
+    <a:masterClrMapping/>
+  </p:clrMapOvr>
+</p:sld>
+</file>
+
+<file path=ppt/slides/slide37.xml><?xml version="1.0" encoding="utf-8"?>
+<p:sld xmlns:a="http://schemas.openxmlformats.org/drawingml/2006/main" xmlns:r="http://schemas.openxmlformats.org/officeDocument/2006/relationships" xmlns:p="http://schemas.openxmlformats.org/presentationml/2006/main">
+  <p:cSld>
+    <p:spTree>
+      <p:nvGrpSpPr>
+        <p:cNvPr id="1" name=""/>
+        <p:cNvGrpSpPr/>
+        <p:nvPr/>
+      </p:nvGrpSpPr>
+      <p:grpSpPr>
+        <a:xfrm>
+          <a:off x="0" y="0"/>
+          <a:ext cx="0" cy="0"/>
+          <a:chOff x="0" y="0"/>
+          <a:chExt cx="0" cy="0"/>
+        </a:xfrm>
+      </p:grpSpPr>
+      <p:sp>
+        <p:nvSpPr>
+          <p:cNvPr id="2" name="제목 1">
+            <a:extLst>
+              <a:ext uri="{FF2B5EF4-FFF2-40B4-BE49-F238E27FC236}">
+                <a16:creationId xmlns:a16="http://schemas.microsoft.com/office/drawing/2014/main" id="{C6828E66-B485-4D76-A2B1-533C68AF734A}"/>
+              </a:ext>
+            </a:extLst>
+          </p:cNvPr>
+          <p:cNvSpPr>
+            <a:spLocks noGrp="1"/>
+          </p:cNvSpPr>
+          <p:nvPr>
+            <p:ph type="title"/>
+          </p:nvPr>
+        </p:nvSpPr>
+        <p:spPr/>
+        <p:txBody>
+          <a:bodyPr/>
+          <a:lstStyle/>
+          <a:p>
+            <a:r>
+              <a:rPr lang="ko-KR" altLang="en-US"/>
+              <a:t>접근통제 보안 모델 </a:t>
+            </a:r>
+            <a:r>
+              <a:rPr lang="en-US" altLang="ko-KR"/>
+              <a:t>- </a:t>
+            </a:r>
+            <a:r>
+              <a:rPr lang="ko-KR" altLang="en-US"/>
+              <a:t>임의적 접근 통제</a:t>
+            </a:r>
+          </a:p>
+        </p:txBody>
+      </p:sp>
+      <p:sp>
+        <p:nvSpPr>
+          <p:cNvPr id="3" name="내용 개체 틀 2">
+            <a:extLst>
+              <a:ext uri="{FF2B5EF4-FFF2-40B4-BE49-F238E27FC236}">
+                <a16:creationId xmlns:a16="http://schemas.microsoft.com/office/drawing/2014/main" id="{48C38F5E-9287-45FC-8822-63AB301FBA15}"/>
+              </a:ext>
+            </a:extLst>
+          </p:cNvPr>
+          <p:cNvSpPr>
+            <a:spLocks noGrp="1"/>
+          </p:cNvSpPr>
+          <p:nvPr>
+            <p:ph idx="1"/>
+          </p:nvPr>
+        </p:nvSpPr>
+        <p:spPr/>
+        <p:txBody>
+          <a:bodyPr/>
+          <a:lstStyle/>
+          <a:p>
+            <a:pPr marL="0" indent="0">
+              <a:buNone/>
+            </a:pPr>
+            <a:r>
+              <a:rPr lang="en-US" altLang="ko-KR"/>
+              <a:t>3. </a:t>
+            </a:r>
+            <a:r>
+              <a:rPr lang="ko-KR" altLang="en-US"/>
+              <a:t>접근제어 목록</a:t>
+            </a:r>
+            <a:endParaRPr lang="en-US" altLang="ko-KR"/>
+          </a:p>
+          <a:p>
+            <a:pPr marL="0" indent="0">
+              <a:buNone/>
+            </a:pPr>
+            <a:endParaRPr lang="en-US" altLang="ko-KR"/>
+          </a:p>
+          <a:p>
+            <a:pPr marL="0" indent="0">
+              <a:buNone/>
+            </a:pPr>
+            <a:r>
+              <a:rPr lang="ko-KR" altLang="en-US"/>
+              <a:t>주체의 관점에서 접근권한을 부여하는 것이 자격 목록 방식이라면</a:t>
+            </a:r>
+            <a:r>
+              <a:rPr lang="en-US" altLang="ko-KR"/>
+              <a:t>, </a:t>
+            </a:r>
+            <a:r>
+              <a:rPr lang="ko-KR" altLang="en-US"/>
+              <a:t>접근제어 목록은 객체의 관점에서 객체에 어떤 주체가 어떤 접근 권한을 갖는지를 명시한 것</a:t>
+            </a:r>
+            <a:r>
+              <a:rPr lang="en-US" altLang="ko-KR"/>
+              <a:t>(</a:t>
+            </a:r>
+            <a:r>
+              <a:rPr lang="ko-KR" altLang="en-US"/>
+              <a:t>접근 권한이 비어 있는 엔트리를 제외</a:t>
+            </a:r>
+            <a:r>
+              <a:rPr lang="en-US" altLang="ko-KR"/>
+              <a:t>)</a:t>
+            </a:r>
+          </a:p>
+          <a:p>
+            <a:pPr marL="0" indent="0">
+              <a:buNone/>
+            </a:pPr>
+            <a:endParaRPr lang="en-US" altLang="ko-KR"/>
+          </a:p>
+          <a:p>
+            <a:pPr marL="0" indent="0">
+              <a:buNone/>
+            </a:pPr>
+            <a:r>
+              <a:rPr lang="ko-KR" altLang="en-US"/>
+              <a:t>객체 중심으로 하나의 객체에 대한 접근권한을 갖고있는 주체들의 모임</a:t>
+            </a:r>
+          </a:p>
+        </p:txBody>
+      </p:sp>
+    </p:spTree>
+    <p:extLst>
+      <p:ext uri="{BB962C8B-B14F-4D97-AF65-F5344CB8AC3E}">
+        <p14:creationId xmlns:p14="http://schemas.microsoft.com/office/powerpoint/2010/main" val="1599473629"/>
+      </p:ext>
+    </p:extLst>
+  </p:cSld>
+  <p:clrMapOvr>
+    <a:masterClrMapping/>
+  </p:clrMapOvr>
+</p:sld>
+</file>
+
+<file path=ppt/slides/slide38.xml><?xml version="1.0" encoding="utf-8"?>
+<p:sld xmlns:a="http://schemas.openxmlformats.org/drawingml/2006/main" xmlns:r="http://schemas.openxmlformats.org/officeDocument/2006/relationships" xmlns:p="http://schemas.openxmlformats.org/presentationml/2006/main">
+  <p:cSld>
+    <p:spTree>
+      <p:nvGrpSpPr>
+        <p:cNvPr id="1" name=""/>
+        <p:cNvGrpSpPr/>
+        <p:nvPr/>
+      </p:nvGrpSpPr>
+      <p:grpSpPr>
+        <a:xfrm>
+          <a:off x="0" y="0"/>
+          <a:ext cx="0" cy="0"/>
+          <a:chOff x="0" y="0"/>
+          <a:chExt cx="0" cy="0"/>
+        </a:xfrm>
+      </p:grpSpPr>
+      <p:sp>
+        <p:nvSpPr>
+          <p:cNvPr id="2" name="제목 1">
+            <a:extLst>
+              <a:ext uri="{FF2B5EF4-FFF2-40B4-BE49-F238E27FC236}">
+                <a16:creationId xmlns:a16="http://schemas.microsoft.com/office/drawing/2014/main" id="{865BC697-C307-46C7-B401-38B6311C3B88}"/>
+              </a:ext>
+            </a:extLst>
+          </p:cNvPr>
+          <p:cNvSpPr>
+            <a:spLocks noGrp="1"/>
+          </p:cNvSpPr>
+          <p:nvPr>
+            <p:ph type="title"/>
+          </p:nvPr>
+        </p:nvSpPr>
+        <p:spPr/>
+        <p:txBody>
+          <a:bodyPr/>
+          <a:lstStyle/>
+          <a:p>
+            <a:r>
+              <a:rPr lang="ko-KR" altLang="en-US"/>
+              <a:t>역할기반 접근통제</a:t>
+            </a:r>
+            <a:r>
+              <a:rPr lang="en-US" altLang="ko-KR"/>
+              <a:t>(RBAC)</a:t>
+            </a:r>
+            <a:endParaRPr lang="ko-KR" altLang="en-US"/>
+          </a:p>
+        </p:txBody>
+      </p:sp>
+      <p:sp>
+        <p:nvSpPr>
+          <p:cNvPr id="3" name="내용 개체 틀 2">
+            <a:extLst>
+              <a:ext uri="{FF2B5EF4-FFF2-40B4-BE49-F238E27FC236}">
+                <a16:creationId xmlns:a16="http://schemas.microsoft.com/office/drawing/2014/main" id="{E93DC317-596B-42BC-A202-CBAAE87E4F5C}"/>
+              </a:ext>
+            </a:extLst>
+          </p:cNvPr>
+          <p:cNvSpPr>
+            <a:spLocks noGrp="1"/>
+          </p:cNvSpPr>
+          <p:nvPr>
+            <p:ph idx="1"/>
+          </p:nvPr>
+        </p:nvSpPr>
+        <p:spPr/>
+        <p:txBody>
+          <a:bodyPr/>
+          <a:lstStyle/>
+          <a:p>
+            <a:r>
+              <a:rPr lang="en-US" altLang="ko-KR"/>
+              <a:t>70</a:t>
+            </a:r>
+            <a:r>
+              <a:rPr lang="ko-KR" altLang="en-US"/>
+              <a:t>년대 다중 사용자</a:t>
+            </a:r>
+            <a:r>
+              <a:rPr lang="en-US" altLang="ko-KR"/>
+              <a:t>, </a:t>
+            </a:r>
+            <a:r>
+              <a:rPr lang="ko-KR" altLang="en-US"/>
+              <a:t>다중 프로그래밍 환경에서의 보안 처리 요구를 만족시키기 위해 제안된 방식</a:t>
+            </a:r>
+            <a:r>
+              <a:rPr lang="en-US" altLang="ko-KR"/>
+              <a:t>, </a:t>
+            </a:r>
+            <a:r>
+              <a:rPr lang="ko-KR" altLang="en-US"/>
+              <a:t>사용자의 역할에 기반을 두고 접근을 통제하는 모델</a:t>
+            </a:r>
+            <a:endParaRPr lang="en-US" altLang="ko-KR"/>
+          </a:p>
+          <a:p>
+            <a:r>
+              <a:rPr lang="ko-KR" altLang="en-US"/>
+              <a:t>접근제어 관리 작업을 단순화하고</a:t>
+            </a:r>
+            <a:r>
+              <a:rPr lang="en-US" altLang="ko-KR"/>
+              <a:t>, </a:t>
+            </a:r>
+            <a:r>
+              <a:rPr lang="ko-KR" altLang="en-US"/>
+              <a:t>기능 기반 접근제어를 직접 제공하기 위해 강제적 접근제어와 임의적 접근제어 정책의 대안으로 제안</a:t>
+            </a:r>
+            <a:endParaRPr lang="en-US" altLang="ko-KR"/>
+          </a:p>
+          <a:p>
+            <a:r>
+              <a:rPr lang="ko-KR" altLang="en-US"/>
+              <a:t>핵심 개념은 권한을 역할과 연관시키고 사용자들이 적절한 역할을 할당받도록 하여 권한의 권리를 용이하게 하는 것</a:t>
+            </a:r>
+            <a:endParaRPr lang="en-US" altLang="ko-KR"/>
+          </a:p>
+          <a:p>
+            <a:r>
+              <a:rPr lang="ko-KR" altLang="en-US"/>
+              <a:t>역할은 다양한 작업 기능을 바탕으로 정의되며 사용자들은 직무에 의한 책임과 자질에 따라 역할을 할당받는다</a:t>
+            </a:r>
+            <a:r>
+              <a:rPr lang="en-US" altLang="ko-KR"/>
+              <a:t>.</a:t>
+            </a:r>
+          </a:p>
+          <a:p>
+            <a:endParaRPr lang="ko-KR" altLang="en-US"/>
+          </a:p>
+        </p:txBody>
+      </p:sp>
+    </p:spTree>
+    <p:extLst>
+      <p:ext uri="{BB962C8B-B14F-4D97-AF65-F5344CB8AC3E}">
+        <p14:creationId xmlns:p14="http://schemas.microsoft.com/office/powerpoint/2010/main" val="363078396"/>
+      </p:ext>
+    </p:extLst>
+  </p:cSld>
+  <p:clrMapOvr>
+    <a:masterClrMapping/>
+  </p:clrMapOvr>
+</p:sld>
+</file>
+
+<file path=ppt/slides/slide39.xml><?xml version="1.0" encoding="utf-8"?>
+<p:sld xmlns:a="http://schemas.openxmlformats.org/drawingml/2006/main" xmlns:r="http://schemas.openxmlformats.org/officeDocument/2006/relationships" xmlns:p="http://schemas.openxmlformats.org/presentationml/2006/main">
+  <p:cSld>
+    <p:spTree>
+      <p:nvGrpSpPr>
+        <p:cNvPr id="1" name=""/>
+        <p:cNvGrpSpPr/>
+        <p:nvPr/>
+      </p:nvGrpSpPr>
+      <p:grpSpPr>
+        <a:xfrm>
+          <a:off x="0" y="0"/>
+          <a:ext cx="0" cy="0"/>
+          <a:chOff x="0" y="0"/>
+          <a:chExt cx="0" cy="0"/>
+        </a:xfrm>
+      </p:grpSpPr>
+      <p:sp>
+        <p:nvSpPr>
+          <p:cNvPr id="2" name="제목 1">
+            <a:extLst>
+              <a:ext uri="{FF2B5EF4-FFF2-40B4-BE49-F238E27FC236}">
+                <a16:creationId xmlns:a16="http://schemas.microsoft.com/office/drawing/2014/main" id="{6FCD88B7-BF7C-45A5-B54A-4044645001C7}"/>
+              </a:ext>
+            </a:extLst>
+          </p:cNvPr>
+          <p:cNvSpPr>
+            <a:spLocks noGrp="1"/>
+          </p:cNvSpPr>
+          <p:nvPr>
+            <p:ph type="title"/>
+          </p:nvPr>
+        </p:nvSpPr>
+        <p:spPr/>
+        <p:txBody>
+          <a:bodyPr/>
+          <a:lstStyle/>
+          <a:p>
+            <a:r>
+              <a:rPr lang="ko-KR" altLang="en-US"/>
+              <a:t>역할기반 접근통제</a:t>
+            </a:r>
+            <a:r>
+              <a:rPr lang="en-US" altLang="ko-KR"/>
+              <a:t>(RBAC)</a:t>
+            </a:r>
+            <a:endParaRPr lang="ko-KR" altLang="en-US"/>
+          </a:p>
+        </p:txBody>
+      </p:sp>
+      <p:sp>
+        <p:nvSpPr>
+          <p:cNvPr id="3" name="내용 개체 틀 2">
+            <a:extLst>
+              <a:ext uri="{FF2B5EF4-FFF2-40B4-BE49-F238E27FC236}">
+                <a16:creationId xmlns:a16="http://schemas.microsoft.com/office/drawing/2014/main" id="{22AF5967-7D0D-437A-967C-F71B079F9DB8}"/>
+              </a:ext>
+            </a:extLst>
+          </p:cNvPr>
+          <p:cNvSpPr>
+            <a:spLocks noGrp="1"/>
+          </p:cNvSpPr>
+          <p:nvPr>
+            <p:ph idx="1"/>
+          </p:nvPr>
+        </p:nvSpPr>
+        <p:spPr/>
+        <p:txBody>
+          <a:bodyPr/>
+          <a:lstStyle/>
+          <a:p>
+            <a:r>
+              <a:rPr lang="ko-KR" altLang="en-US"/>
+              <a:t>역할이 기존의 접근제어 그룹 개념과 가장 다른 점은</a:t>
+            </a:r>
+            <a:r>
+              <a:rPr lang="en-US" altLang="ko-KR"/>
+              <a:t>, </a:t>
+            </a:r>
+            <a:br>
+              <a:rPr lang="en-US" altLang="ko-KR"/>
+            </a:br>
+            <a:br>
+              <a:rPr lang="en-US" altLang="ko-KR"/>
+            </a:br>
+            <a:r>
+              <a:rPr lang="ko-KR" altLang="en-US"/>
+              <a:t>그룹은 사용자들의 집합</a:t>
+            </a:r>
+            <a:r>
+              <a:rPr lang="en-US" altLang="ko-KR"/>
+              <a:t>, </a:t>
+            </a:r>
+            <a:r>
+              <a:rPr lang="ko-KR" altLang="en-US"/>
+              <a:t>권한의 집합 </a:t>
+            </a:r>
+            <a:r>
+              <a:rPr lang="en-US" altLang="ko-KR"/>
+              <a:t>X, </a:t>
+            </a:r>
+            <a:br>
+              <a:rPr lang="en-US" altLang="ko-KR"/>
+            </a:br>
+            <a:br>
+              <a:rPr lang="en-US" altLang="ko-KR"/>
+            </a:br>
+            <a:r>
+              <a:rPr lang="ko-KR" altLang="en-US"/>
+              <a:t>역할은 사용자들의 집합</a:t>
+            </a:r>
+            <a:r>
+              <a:rPr lang="en-US" altLang="ko-KR"/>
+              <a:t>,</a:t>
+            </a:r>
+            <a:r>
+              <a:rPr lang="ko-KR" altLang="en-US"/>
+              <a:t> 권한의 집합 </a:t>
+            </a:r>
+            <a:r>
+              <a:rPr lang="en-US" altLang="ko-KR"/>
+              <a:t>O</a:t>
+            </a:r>
+          </a:p>
+          <a:p>
+            <a:endParaRPr lang="en-US" altLang="ko-KR"/>
+          </a:p>
+          <a:p>
+            <a:r>
+              <a:rPr lang="en-US" altLang="ko-KR"/>
+              <a:t>RBAC </a:t>
+            </a:r>
+            <a:r>
+              <a:rPr lang="ko-KR" altLang="en-US"/>
+              <a:t>모델은 주체와 객체가 어떻게 상호작용하는지 결정하기 위해 중앙에서 관리되는 통제 모음을 사용한다</a:t>
+            </a:r>
+            <a:r>
+              <a:rPr lang="en-US" altLang="ko-KR"/>
+              <a:t>. </a:t>
+            </a:r>
+            <a:r>
+              <a:rPr lang="ko-KR" altLang="en-US"/>
+              <a:t>접근 통제 수준은 사용자가 그들의 책임을 완수하기 위해 수행할 필요가 있는 운영과 직업에 기반한다</a:t>
+            </a:r>
+            <a:r>
+              <a:rPr lang="en-US" altLang="ko-KR"/>
+              <a:t>.</a:t>
+            </a:r>
+          </a:p>
+          <a:p>
+            <a:endParaRPr lang="en-US" altLang="ko-KR"/>
+          </a:p>
+          <a:p>
+            <a:endParaRPr lang="ko-KR" altLang="en-US"/>
+          </a:p>
+        </p:txBody>
+      </p:sp>
+    </p:spTree>
+    <p:extLst>
+      <p:ext uri="{BB962C8B-B14F-4D97-AF65-F5344CB8AC3E}">
+        <p14:creationId xmlns:p14="http://schemas.microsoft.com/office/powerpoint/2010/main" val="45219182"/>
       </p:ext>
     </p:extLst>
   </p:cSld>
